--- a/11 lesson/Проект предприятия.pptx
+++ b/11 lesson/Проект предприятия.pptx
@@ -5,7 +5,7 @@
     <p:sldMasterId id="2147483689" r:id="rId1"/>
   </p:sldMasterIdLst>
   <p:notesMasterIdLst>
-    <p:notesMasterId r:id="rId14"/>
+    <p:notesMasterId r:id="rId16"/>
   </p:notesMasterIdLst>
   <p:sldIdLst>
     <p:sldId id="256" r:id="rId2"/>
@@ -13,13 +13,15 @@
     <p:sldId id="259" r:id="rId4"/>
     <p:sldId id="260" r:id="rId5"/>
     <p:sldId id="262" r:id="rId6"/>
-    <p:sldId id="263" r:id="rId7"/>
-    <p:sldId id="264" r:id="rId8"/>
-    <p:sldId id="265" r:id="rId9"/>
-    <p:sldId id="266" r:id="rId10"/>
-    <p:sldId id="267" r:id="rId11"/>
-    <p:sldId id="268" r:id="rId12"/>
-    <p:sldId id="270" r:id="rId13"/>
+    <p:sldId id="271" r:id="rId7"/>
+    <p:sldId id="272" r:id="rId8"/>
+    <p:sldId id="263" r:id="rId9"/>
+    <p:sldId id="264" r:id="rId10"/>
+    <p:sldId id="265" r:id="rId11"/>
+    <p:sldId id="266" r:id="rId12"/>
+    <p:sldId id="267" r:id="rId13"/>
+    <p:sldId id="268" r:id="rId14"/>
+    <p:sldId id="270" r:id="rId15"/>
   </p:sldIdLst>
   <p:sldSz cx="9144000" cy="6858000" type="screen4x3"/>
   <p:notesSz cx="6858000" cy="9144000"/>
@@ -219,7 +221,7 @@
           <a:p>
             <a:fld id="{F002DD4A-8D9E-4991-9429-E4F725A2F628}" type="datetimeFigureOut">
               <a:rPr lang="ru-RU" smtClean="0"/>
-              <a:t>17.10.2023</a:t>
+              <a:t>26.10.2023</a:t>
             </a:fld>
             <a:endParaRPr lang="ru-RU"/>
           </a:p>
@@ -672,7 +674,7 @@
             <a:fld id="{2BBA9957-3F5B-462E-A8F5-5607FB57AAFA}" type="datetimeFigureOut">
               <a:rPr lang="ru-RU" smtClean="0"/>
               <a:pPr/>
-              <a:t>17.10.2023</a:t>
+              <a:t>26.10.2023</a:t>
             </a:fld>
             <a:endParaRPr lang="ru-RU"/>
           </a:p>
@@ -972,7 +974,7 @@
             <a:fld id="{2BBA9957-3F5B-462E-A8F5-5607FB57AAFA}" type="datetimeFigureOut">
               <a:rPr lang="ru-RU" smtClean="0"/>
               <a:pPr/>
-              <a:t>17.10.2023</a:t>
+              <a:t>26.10.2023</a:t>
             </a:fld>
             <a:endParaRPr lang="ru-RU"/>
           </a:p>
@@ -1166,7 +1168,7 @@
             <a:fld id="{2BBA9957-3F5B-462E-A8F5-5607FB57AAFA}" type="datetimeFigureOut">
               <a:rPr lang="ru-RU" smtClean="0"/>
               <a:pPr/>
-              <a:t>17.10.2023</a:t>
+              <a:t>26.10.2023</a:t>
             </a:fld>
             <a:endParaRPr lang="ru-RU"/>
           </a:p>
@@ -1429,7 +1431,7 @@
             <a:fld id="{2BBA9957-3F5B-462E-A8F5-5607FB57AAFA}" type="datetimeFigureOut">
               <a:rPr lang="ru-RU" smtClean="0"/>
               <a:pPr/>
-              <a:t>17.10.2023</a:t>
+              <a:t>26.10.2023</a:t>
             </a:fld>
             <a:endParaRPr lang="ru-RU"/>
           </a:p>
@@ -1855,7 +1857,7 @@
             <a:fld id="{2BBA9957-3F5B-462E-A8F5-5607FB57AAFA}" type="datetimeFigureOut">
               <a:rPr lang="ru-RU" smtClean="0"/>
               <a:pPr/>
-              <a:t>17.10.2023</a:t>
+              <a:t>26.10.2023</a:t>
             </a:fld>
             <a:endParaRPr lang="ru-RU"/>
           </a:p>
@@ -2394,7 +2396,7 @@
             <a:fld id="{2BBA9957-3F5B-462E-A8F5-5607FB57AAFA}" type="datetimeFigureOut">
               <a:rPr lang="ru-RU" smtClean="0"/>
               <a:pPr/>
-              <a:t>17.10.2023</a:t>
+              <a:t>26.10.2023</a:t>
             </a:fld>
             <a:endParaRPr lang="ru-RU"/>
           </a:p>
@@ -3260,7 +3262,7 @@
             <a:fld id="{2BBA9957-3F5B-462E-A8F5-5607FB57AAFA}" type="datetimeFigureOut">
               <a:rPr lang="ru-RU" smtClean="0"/>
               <a:pPr/>
-              <a:t>17.10.2023</a:t>
+              <a:t>26.10.2023</a:t>
             </a:fld>
             <a:endParaRPr lang="ru-RU"/>
           </a:p>
@@ -3432,7 +3434,7 @@
             <a:fld id="{2BBA9957-3F5B-462E-A8F5-5607FB57AAFA}" type="datetimeFigureOut">
               <a:rPr lang="ru-RU" smtClean="0"/>
               <a:pPr/>
-              <a:t>17.10.2023</a:t>
+              <a:t>26.10.2023</a:t>
             </a:fld>
             <a:endParaRPr lang="ru-RU"/>
           </a:p>
@@ -3618,7 +3620,7 @@
             <a:fld id="{2BBA9957-3F5B-462E-A8F5-5607FB57AAFA}" type="datetimeFigureOut">
               <a:rPr lang="ru-RU" smtClean="0"/>
               <a:pPr/>
-              <a:t>17.10.2023</a:t>
+              <a:t>26.10.2023</a:t>
             </a:fld>
             <a:endParaRPr lang="ru-RU"/>
           </a:p>
@@ -3790,7 +3792,7 @@
             <a:fld id="{2BBA9957-3F5B-462E-A8F5-5607FB57AAFA}" type="datetimeFigureOut">
               <a:rPr lang="ru-RU" smtClean="0"/>
               <a:pPr/>
-              <a:t>17.10.2023</a:t>
+              <a:t>26.10.2023</a:t>
             </a:fld>
             <a:endParaRPr lang="ru-RU"/>
           </a:p>
@@ -4036,7 +4038,7 @@
             <a:fld id="{2BBA9957-3F5B-462E-A8F5-5607FB57AAFA}" type="datetimeFigureOut">
               <a:rPr lang="ru-RU" smtClean="0"/>
               <a:pPr/>
-              <a:t>17.10.2023</a:t>
+              <a:t>26.10.2023</a:t>
             </a:fld>
             <a:endParaRPr lang="ru-RU"/>
           </a:p>
@@ -4274,7 +4276,7 @@
             <a:fld id="{2BBA9957-3F5B-462E-A8F5-5607FB57AAFA}" type="datetimeFigureOut">
               <a:rPr lang="ru-RU" smtClean="0"/>
               <a:pPr/>
-              <a:t>17.10.2023</a:t>
+              <a:t>26.10.2023</a:t>
             </a:fld>
             <a:endParaRPr lang="ru-RU"/>
           </a:p>
@@ -4742,7 +4744,7 @@
             <a:fld id="{2BBA9957-3F5B-462E-A8F5-5607FB57AAFA}" type="datetimeFigureOut">
               <a:rPr lang="ru-RU" smtClean="0"/>
               <a:pPr/>
-              <a:t>17.10.2023</a:t>
+              <a:t>26.10.2023</a:t>
             </a:fld>
             <a:endParaRPr lang="ru-RU"/>
           </a:p>
@@ -4862,7 +4864,7 @@
             <a:fld id="{2BBA9957-3F5B-462E-A8F5-5607FB57AAFA}" type="datetimeFigureOut">
               <a:rPr lang="ru-RU" smtClean="0"/>
               <a:pPr/>
-              <a:t>17.10.2023</a:t>
+              <a:t>26.10.2023</a:t>
             </a:fld>
             <a:endParaRPr lang="ru-RU"/>
           </a:p>
@@ -4959,7 +4961,7 @@
             <a:fld id="{2BBA9957-3F5B-462E-A8F5-5607FB57AAFA}" type="datetimeFigureOut">
               <a:rPr lang="ru-RU" smtClean="0"/>
               <a:pPr/>
-              <a:t>17.10.2023</a:t>
+              <a:t>26.10.2023</a:t>
             </a:fld>
             <a:endParaRPr lang="ru-RU"/>
           </a:p>
@@ -5216,7 +5218,7 @@
             <a:fld id="{2BBA9957-3F5B-462E-A8F5-5607FB57AAFA}" type="datetimeFigureOut">
               <a:rPr lang="ru-RU" smtClean="0"/>
               <a:pPr/>
-              <a:t>17.10.2023</a:t>
+              <a:t>26.10.2023</a:t>
             </a:fld>
             <a:endParaRPr lang="ru-RU"/>
           </a:p>
@@ -5518,7 +5520,7 @@
             <a:fld id="{2BBA9957-3F5B-462E-A8F5-5607FB57AAFA}" type="datetimeFigureOut">
               <a:rPr lang="ru-RU" smtClean="0"/>
               <a:pPr/>
-              <a:t>17.10.2023</a:t>
+              <a:t>26.10.2023</a:t>
             </a:fld>
             <a:endParaRPr lang="ru-RU"/>
           </a:p>
@@ -5754,7 +5756,7 @@
             <a:fld id="{2BBA9957-3F5B-462E-A8F5-5607FB57AAFA}" type="datetimeFigureOut">
               <a:rPr lang="ru-RU" smtClean="0"/>
               <a:pPr/>
-              <a:t>17.10.2023</a:t>
+              <a:t>26.10.2023</a:t>
             </a:fld>
             <a:endParaRPr lang="ru-RU"/>
           </a:p>
@@ -6541,6 +6543,280 @@
           <p:cNvPr id="2" name="Заголовок 1">
             <a:extLst>
               <a:ext uri="{FF2B5EF4-FFF2-40B4-BE49-F238E27FC236}">
+                <a16:creationId xmlns:a16="http://schemas.microsoft.com/office/drawing/2014/main" id="{06703793-C351-DCB4-21B5-509774344405}"/>
+              </a:ext>
+            </a:extLst>
+          </p:cNvPr>
+          <p:cNvSpPr>
+            <a:spLocks noGrp="1"/>
+          </p:cNvSpPr>
+          <p:nvPr>
+            <p:ph type="title"/>
+          </p:nvPr>
+        </p:nvSpPr>
+        <p:spPr/>
+        <p:txBody>
+          <a:bodyPr/>
+          <a:lstStyle/>
+          <a:p>
+            <a:r>
+              <a:rPr lang="ru-RU" dirty="0"/>
+              <a:t>Куб в </a:t>
+            </a:r>
+            <a:r>
+              <a:rPr lang="en-US" dirty="0"/>
+              <a:t>Excel </a:t>
+            </a:r>
+            <a:r>
+              <a:rPr lang="ru-RU" dirty="0"/>
+              <a:t>для пользователей</a:t>
+            </a:r>
+          </a:p>
+        </p:txBody>
+      </p:sp>
+      <p:sp>
+        <p:nvSpPr>
+          <p:cNvPr id="6" name="TextBox 5">
+            <a:extLst>
+              <a:ext uri="{FF2B5EF4-FFF2-40B4-BE49-F238E27FC236}">
+                <a16:creationId xmlns:a16="http://schemas.microsoft.com/office/drawing/2014/main" id="{FB72700F-3609-9473-0388-CD43F0DC5B6F}"/>
+              </a:ext>
+            </a:extLst>
+          </p:cNvPr>
+          <p:cNvSpPr txBox="1"/>
+          <p:nvPr/>
+        </p:nvSpPr>
+        <p:spPr>
+          <a:xfrm>
+            <a:off x="107504" y="5157192"/>
+            <a:ext cx="8796478" cy="646331"/>
+          </a:xfrm>
+          <a:prstGeom prst="rect">
+            <a:avLst/>
+          </a:prstGeom>
+          <a:noFill/>
+        </p:spPr>
+        <p:txBody>
+          <a:bodyPr wrap="square" rtlCol="0">
+            <a:spAutoFit/>
+          </a:bodyPr>
+          <a:lstStyle/>
+          <a:p>
+            <a:r>
+              <a:rPr lang="ru-RU" dirty="0"/>
+              <a:t>Для удобства показатели размещены в разные папки. Пользователям дается право на чтение по их учетной записи.</a:t>
+            </a:r>
+          </a:p>
+        </p:txBody>
+      </p:sp>
+      <p:pic>
+        <p:nvPicPr>
+          <p:cNvPr id="8" name="Объект 7">
+            <a:extLst>
+              <a:ext uri="{FF2B5EF4-FFF2-40B4-BE49-F238E27FC236}">
+                <a16:creationId xmlns:a16="http://schemas.microsoft.com/office/drawing/2014/main" id="{18CA67A5-D6DA-C6D3-18B0-4B4392B23E23}"/>
+              </a:ext>
+            </a:extLst>
+          </p:cNvPr>
+          <p:cNvPicPr>
+            <a:picLocks noGrp="1" noChangeAspect="1"/>
+          </p:cNvPicPr>
+          <p:nvPr>
+            <p:ph idx="1"/>
+          </p:nvPr>
+        </p:nvPicPr>
+        <p:blipFill>
+          <a:blip r:embed="rId2" cstate="print">
+            <a:extLst>
+              <a:ext uri="{28A0092B-C50C-407E-A947-70E740481C1C}">
+                <a14:useLocalDpi xmlns:a14="http://schemas.microsoft.com/office/drawing/2010/main" val="0"/>
+              </a:ext>
+            </a:extLst>
+          </a:blip>
+          <a:stretch>
+            <a:fillRect/>
+          </a:stretch>
+        </p:blipFill>
+        <p:spPr>
+          <a:xfrm>
+            <a:off x="623511" y="1894753"/>
+            <a:ext cx="7764463" cy="3009387"/>
+          </a:xfrm>
+        </p:spPr>
+      </p:pic>
+    </p:spTree>
+    <p:extLst>
+      <p:ext uri="{BB962C8B-B14F-4D97-AF65-F5344CB8AC3E}">
+        <p14:creationId xmlns:p14="http://schemas.microsoft.com/office/powerpoint/2010/main" val="3116462862"/>
+      </p:ext>
+    </p:extLst>
+  </p:cSld>
+  <p:clrMapOvr>
+    <a:masterClrMapping/>
+  </p:clrMapOvr>
+</p:sld>
+</file>
+
+<file path=ppt/slides/slide11.xml><?xml version="1.0" encoding="utf-8"?>
+<p:sld xmlns:a="http://schemas.openxmlformats.org/drawingml/2006/main" xmlns:r="http://schemas.openxmlformats.org/officeDocument/2006/relationships" xmlns:p="http://schemas.openxmlformats.org/presentationml/2006/main">
+  <p:cSld>
+    <p:spTree>
+      <p:nvGrpSpPr>
+        <p:cNvPr id="1" name=""/>
+        <p:cNvGrpSpPr/>
+        <p:nvPr/>
+      </p:nvGrpSpPr>
+      <p:grpSpPr>
+        <a:xfrm>
+          <a:off x="0" y="0"/>
+          <a:ext cx="0" cy="0"/>
+          <a:chOff x="0" y="0"/>
+          <a:chExt cx="0" cy="0"/>
+        </a:xfrm>
+      </p:grpSpPr>
+      <p:sp>
+        <p:nvSpPr>
+          <p:cNvPr id="2" name="Заголовок 1">
+            <a:extLst>
+              <a:ext uri="{FF2B5EF4-FFF2-40B4-BE49-F238E27FC236}">
+                <a16:creationId xmlns:a16="http://schemas.microsoft.com/office/drawing/2014/main" id="{7AE4CCD9-01C9-4E0D-1432-36B109B04D4C}"/>
+              </a:ext>
+            </a:extLst>
+          </p:cNvPr>
+          <p:cNvSpPr>
+            <a:spLocks noGrp="1"/>
+          </p:cNvSpPr>
+          <p:nvPr>
+            <p:ph type="title"/>
+          </p:nvPr>
+        </p:nvSpPr>
+        <p:spPr/>
+        <p:txBody>
+          <a:bodyPr/>
+          <a:lstStyle/>
+          <a:p>
+            <a:r>
+              <a:rPr lang="ru-RU" dirty="0"/>
+              <a:t>Пример отчета в </a:t>
+            </a:r>
+            <a:r>
+              <a:rPr lang="en-US" dirty="0" err="1"/>
+              <a:t>PowerBi</a:t>
+            </a:r>
+            <a:endParaRPr lang="ru-RU" dirty="0"/>
+          </a:p>
+        </p:txBody>
+      </p:sp>
+      <p:sp>
+        <p:nvSpPr>
+          <p:cNvPr id="6" name="TextBox 5">
+            <a:extLst>
+              <a:ext uri="{FF2B5EF4-FFF2-40B4-BE49-F238E27FC236}">
+                <a16:creationId xmlns:a16="http://schemas.microsoft.com/office/drawing/2014/main" id="{C593C1D4-FED3-2AF5-4337-3C06707FCFEC}"/>
+              </a:ext>
+            </a:extLst>
+          </p:cNvPr>
+          <p:cNvSpPr txBox="1"/>
+          <p:nvPr/>
+        </p:nvSpPr>
+        <p:spPr>
+          <a:xfrm>
+            <a:off x="457200" y="6021288"/>
+            <a:ext cx="6630854" cy="369332"/>
+          </a:xfrm>
+          <a:prstGeom prst="rect">
+            <a:avLst/>
+          </a:prstGeom>
+          <a:noFill/>
+        </p:spPr>
+        <p:txBody>
+          <a:bodyPr wrap="none" rtlCol="0">
+            <a:spAutoFit/>
+          </a:bodyPr>
+          <a:lstStyle/>
+          <a:p>
+            <a:r>
+              <a:rPr lang="ru-RU" dirty="0"/>
+              <a:t>Для пользователей также возможно построение отчета в </a:t>
+            </a:r>
+            <a:r>
+              <a:rPr lang="en-US" dirty="0" err="1"/>
+              <a:t>PowerBI</a:t>
+            </a:r>
+            <a:endParaRPr lang="ru-RU" dirty="0"/>
+          </a:p>
+        </p:txBody>
+      </p:sp>
+      <p:pic>
+        <p:nvPicPr>
+          <p:cNvPr id="8" name="Объект 7">
+            <a:extLst>
+              <a:ext uri="{FF2B5EF4-FFF2-40B4-BE49-F238E27FC236}">
+                <a16:creationId xmlns:a16="http://schemas.microsoft.com/office/drawing/2014/main" id="{729D70F0-2817-E2C5-0F28-341ECD6620DC}"/>
+              </a:ext>
+            </a:extLst>
+          </p:cNvPr>
+          <p:cNvPicPr>
+            <a:picLocks noGrp="1" noChangeAspect="1"/>
+          </p:cNvPicPr>
+          <p:nvPr>
+            <p:ph idx="1"/>
+          </p:nvPr>
+        </p:nvPicPr>
+        <p:blipFill>
+          <a:blip r:embed="rId2">
+            <a:extLst>
+              <a:ext uri="{28A0092B-C50C-407E-A947-70E740481C1C}">
+                <a14:useLocalDpi xmlns:a14="http://schemas.microsoft.com/office/drawing/2010/main" val="0"/>
+              </a:ext>
+            </a:extLst>
+          </a:blip>
+          <a:stretch>
+            <a:fillRect/>
+          </a:stretch>
+        </p:blipFill>
+        <p:spPr>
+          <a:xfrm>
+            <a:off x="689167" y="1700808"/>
+            <a:ext cx="7764463" cy="4032448"/>
+          </a:xfrm>
+        </p:spPr>
+      </p:pic>
+    </p:spTree>
+    <p:extLst>
+      <p:ext uri="{BB962C8B-B14F-4D97-AF65-F5344CB8AC3E}">
+        <p14:creationId xmlns:p14="http://schemas.microsoft.com/office/powerpoint/2010/main" val="1493109850"/>
+      </p:ext>
+    </p:extLst>
+  </p:cSld>
+  <p:clrMapOvr>
+    <a:masterClrMapping/>
+  </p:clrMapOvr>
+</p:sld>
+</file>
+
+<file path=ppt/slides/slide12.xml><?xml version="1.0" encoding="utf-8"?>
+<p:sld xmlns:a="http://schemas.openxmlformats.org/drawingml/2006/main" xmlns:r="http://schemas.openxmlformats.org/officeDocument/2006/relationships" xmlns:p="http://schemas.openxmlformats.org/presentationml/2006/main">
+  <p:cSld>
+    <p:spTree>
+      <p:nvGrpSpPr>
+        <p:cNvPr id="1" name=""/>
+        <p:cNvGrpSpPr/>
+        <p:nvPr/>
+      </p:nvGrpSpPr>
+      <p:grpSpPr>
+        <a:xfrm>
+          <a:off x="0" y="0"/>
+          <a:ext cx="0" cy="0"/>
+          <a:chOff x="0" y="0"/>
+          <a:chExt cx="0" cy="0"/>
+        </a:xfrm>
+      </p:grpSpPr>
+      <p:sp>
+        <p:nvSpPr>
+          <p:cNvPr id="2" name="Заголовок 1">
+            <a:extLst>
+              <a:ext uri="{FF2B5EF4-FFF2-40B4-BE49-F238E27FC236}">
                 <a16:creationId xmlns:a16="http://schemas.microsoft.com/office/drawing/2014/main" id="{BFC03208-5D96-9966-1CA1-1460CC34F200}"/>
               </a:ext>
             </a:extLst>
@@ -6650,7 +6926,7 @@
 </p:sld>
 </file>
 
-<file path=ppt/slides/slide11.xml><?xml version="1.0" encoding="utf-8"?>
+<file path=ppt/slides/slide13.xml><?xml version="1.0" encoding="utf-8"?>
 <p:sld xmlns:a="http://schemas.openxmlformats.org/drawingml/2006/main" xmlns:r="http://schemas.openxmlformats.org/officeDocument/2006/relationships" xmlns:p="http://schemas.openxmlformats.org/presentationml/2006/main">
   <p:cSld>
     <p:spTree>
@@ -6794,7 +7070,7 @@
 </p:sld>
 </file>
 
-<file path=ppt/slides/slide12.xml><?xml version="1.0" encoding="utf-8"?>
+<file path=ppt/slides/slide14.xml><?xml version="1.0" encoding="utf-8"?>
 <p:sld xmlns:a="http://schemas.openxmlformats.org/drawingml/2006/main" xmlns:r="http://schemas.openxmlformats.org/officeDocument/2006/relationships" xmlns:p="http://schemas.openxmlformats.org/presentationml/2006/main">
   <p:cSld>
     <p:spTree>
@@ -7489,6 +7765,232 @@
           <p:cNvPr id="2" name="Заголовок 1">
             <a:extLst>
               <a:ext uri="{FF2B5EF4-FFF2-40B4-BE49-F238E27FC236}">
+                <a16:creationId xmlns:a16="http://schemas.microsoft.com/office/drawing/2014/main" id="{2A158D09-BABB-2B54-385A-096805B8194E}"/>
+              </a:ext>
+            </a:extLst>
+          </p:cNvPr>
+          <p:cNvSpPr>
+            <a:spLocks noGrp="1"/>
+          </p:cNvSpPr>
+          <p:nvPr>
+            <p:ph type="title"/>
+          </p:nvPr>
+        </p:nvSpPr>
+        <p:spPr/>
+        <p:txBody>
+          <a:bodyPr>
+            <a:normAutofit fontScale="90000"/>
+          </a:bodyPr>
+          <a:lstStyle/>
+          <a:p>
+            <a:r>
+              <a:rPr lang="ru-RU" dirty="0"/>
+              <a:t>Развернутая схема с типами данных</a:t>
+            </a:r>
+          </a:p>
+        </p:txBody>
+      </p:sp>
+      <p:pic>
+        <p:nvPicPr>
+          <p:cNvPr id="5" name="Объект 4">
+            <a:extLst>
+              <a:ext uri="{FF2B5EF4-FFF2-40B4-BE49-F238E27FC236}">
+                <a16:creationId xmlns:a16="http://schemas.microsoft.com/office/drawing/2014/main" id="{DE27BFAB-A287-5800-6996-2E6BD0A3C8D6}"/>
+              </a:ext>
+            </a:extLst>
+          </p:cNvPr>
+          <p:cNvPicPr>
+            <a:picLocks noGrp="1" noChangeAspect="1"/>
+          </p:cNvPicPr>
+          <p:nvPr>
+            <p:ph idx="1"/>
+          </p:nvPr>
+        </p:nvPicPr>
+        <p:blipFill>
+          <a:blip r:embed="rId2">
+            <a:extLst>
+              <a:ext uri="{28A0092B-C50C-407E-A947-70E740481C1C}">
+                <a14:useLocalDpi xmlns:a14="http://schemas.microsoft.com/office/drawing/2010/main" val="0"/>
+              </a:ext>
+            </a:extLst>
+          </a:blip>
+          <a:stretch>
+            <a:fillRect/>
+          </a:stretch>
+        </p:blipFill>
+        <p:spPr>
+          <a:xfrm>
+            <a:off x="685346" y="1580050"/>
+            <a:ext cx="3555675" cy="4297222"/>
+          </a:xfrm>
+        </p:spPr>
+      </p:pic>
+      <p:pic>
+        <p:nvPicPr>
+          <p:cNvPr id="11" name="Рисунок 10">
+            <a:extLst>
+              <a:ext uri="{FF2B5EF4-FFF2-40B4-BE49-F238E27FC236}">
+                <a16:creationId xmlns:a16="http://schemas.microsoft.com/office/drawing/2014/main" id="{1369A56C-DBD0-CEE3-707B-5399EA6918A6}"/>
+              </a:ext>
+            </a:extLst>
+          </p:cNvPr>
+          <p:cNvPicPr>
+            <a:picLocks noChangeAspect="1"/>
+          </p:cNvPicPr>
+          <p:nvPr/>
+        </p:nvPicPr>
+        <p:blipFill>
+          <a:blip r:embed="rId3">
+            <a:extLst>
+              <a:ext uri="{28A0092B-C50C-407E-A947-70E740481C1C}">
+                <a14:useLocalDpi xmlns:a14="http://schemas.microsoft.com/office/drawing/2010/main" val="0"/>
+              </a:ext>
+            </a:extLst>
+          </a:blip>
+          <a:stretch>
+            <a:fillRect/>
+          </a:stretch>
+        </p:blipFill>
+        <p:spPr>
+          <a:xfrm>
+            <a:off x="4273578" y="1580050"/>
+            <a:ext cx="4618366" cy="3286770"/>
+          </a:xfrm>
+          <a:prstGeom prst="rect">
+            <a:avLst/>
+          </a:prstGeom>
+        </p:spPr>
+      </p:pic>
+    </p:spTree>
+    <p:extLst>
+      <p:ext uri="{BB962C8B-B14F-4D97-AF65-F5344CB8AC3E}">
+        <p14:creationId xmlns:p14="http://schemas.microsoft.com/office/powerpoint/2010/main" val="1533693791"/>
+      </p:ext>
+    </p:extLst>
+  </p:cSld>
+  <p:clrMapOvr>
+    <a:masterClrMapping/>
+  </p:clrMapOvr>
+</p:sld>
+</file>
+
+<file path=ppt/slides/slide7.xml><?xml version="1.0" encoding="utf-8"?>
+<p:sld xmlns:a="http://schemas.openxmlformats.org/drawingml/2006/main" xmlns:r="http://schemas.openxmlformats.org/officeDocument/2006/relationships" xmlns:p="http://schemas.openxmlformats.org/presentationml/2006/main">
+  <p:cSld>
+    <p:spTree>
+      <p:nvGrpSpPr>
+        <p:cNvPr id="1" name=""/>
+        <p:cNvGrpSpPr/>
+        <p:nvPr/>
+      </p:nvGrpSpPr>
+      <p:grpSpPr>
+        <a:xfrm>
+          <a:off x="0" y="0"/>
+          <a:ext cx="0" cy="0"/>
+          <a:chOff x="0" y="0"/>
+          <a:chExt cx="0" cy="0"/>
+        </a:xfrm>
+      </p:grpSpPr>
+      <p:sp>
+        <p:nvSpPr>
+          <p:cNvPr id="2" name="Заголовок 1">
+            <a:extLst>
+              <a:ext uri="{FF2B5EF4-FFF2-40B4-BE49-F238E27FC236}">
+                <a16:creationId xmlns:a16="http://schemas.microsoft.com/office/drawing/2014/main" id="{A49F9C7B-0116-8063-BD7B-290B6278F08D}"/>
+              </a:ext>
+            </a:extLst>
+          </p:cNvPr>
+          <p:cNvSpPr>
+            <a:spLocks noGrp="1"/>
+          </p:cNvSpPr>
+          <p:nvPr>
+            <p:ph type="title"/>
+          </p:nvPr>
+        </p:nvSpPr>
+        <p:spPr/>
+        <p:txBody>
+          <a:bodyPr>
+            <a:normAutofit fontScale="90000"/>
+          </a:bodyPr>
+          <a:lstStyle/>
+          <a:p>
+            <a:r>
+              <a:rPr lang="ru-RU" dirty="0"/>
+              <a:t>Развернутая схема с типами данных</a:t>
+            </a:r>
+          </a:p>
+        </p:txBody>
+      </p:sp>
+      <p:pic>
+        <p:nvPicPr>
+          <p:cNvPr id="5" name="Объект 4">
+            <a:extLst>
+              <a:ext uri="{FF2B5EF4-FFF2-40B4-BE49-F238E27FC236}">
+                <a16:creationId xmlns:a16="http://schemas.microsoft.com/office/drawing/2014/main" id="{BD4B7035-46F5-0C9A-F313-7B0E26D22511}"/>
+              </a:ext>
+            </a:extLst>
+          </p:cNvPr>
+          <p:cNvPicPr>
+            <a:picLocks noGrp="1" noChangeAspect="1"/>
+          </p:cNvPicPr>
+          <p:nvPr>
+            <p:ph idx="1"/>
+          </p:nvPr>
+        </p:nvPicPr>
+        <p:blipFill>
+          <a:blip r:embed="rId2">
+            <a:extLst>
+              <a:ext uri="{28A0092B-C50C-407E-A947-70E740481C1C}">
+                <a14:useLocalDpi xmlns:a14="http://schemas.microsoft.com/office/drawing/2010/main" val="0"/>
+              </a:ext>
+            </a:extLst>
+          </a:blip>
+          <a:stretch>
+            <a:fillRect/>
+          </a:stretch>
+        </p:blipFill>
+        <p:spPr>
+          <a:xfrm>
+            <a:off x="2555776" y="1412776"/>
+            <a:ext cx="3816424" cy="5049327"/>
+          </a:xfrm>
+        </p:spPr>
+      </p:pic>
+    </p:spTree>
+    <p:extLst>
+      <p:ext uri="{BB962C8B-B14F-4D97-AF65-F5344CB8AC3E}">
+        <p14:creationId xmlns:p14="http://schemas.microsoft.com/office/powerpoint/2010/main" val="1052315445"/>
+      </p:ext>
+    </p:extLst>
+  </p:cSld>
+  <p:clrMapOvr>
+    <a:masterClrMapping/>
+  </p:clrMapOvr>
+</p:sld>
+</file>
+
+<file path=ppt/slides/slide8.xml><?xml version="1.0" encoding="utf-8"?>
+<p:sld xmlns:a="http://schemas.openxmlformats.org/drawingml/2006/main" xmlns:r="http://schemas.openxmlformats.org/officeDocument/2006/relationships" xmlns:p="http://schemas.openxmlformats.org/presentationml/2006/main">
+  <p:cSld>
+    <p:spTree>
+      <p:nvGrpSpPr>
+        <p:cNvPr id="1" name=""/>
+        <p:cNvGrpSpPr/>
+        <p:nvPr/>
+      </p:nvGrpSpPr>
+      <p:grpSpPr>
+        <a:xfrm>
+          <a:off x="0" y="0"/>
+          <a:ext cx="0" cy="0"/>
+          <a:chOff x="0" y="0"/>
+          <a:chExt cx="0" cy="0"/>
+        </a:xfrm>
+      </p:grpSpPr>
+      <p:sp>
+        <p:nvSpPr>
+          <p:cNvPr id="2" name="Заголовок 1">
+            <a:extLst>
+              <a:ext uri="{FF2B5EF4-FFF2-40B4-BE49-F238E27FC236}">
                 <a16:creationId xmlns:a16="http://schemas.microsoft.com/office/drawing/2014/main" id="{08E0D4B1-BC65-6634-6543-DBF584AB3395}"/>
               </a:ext>
             </a:extLst>
@@ -7582,7 +8084,7 @@
 </p:sld>
 </file>
 
-<file path=ppt/slides/slide7.xml><?xml version="1.0" encoding="utf-8"?>
+<file path=ppt/slides/slide9.xml><?xml version="1.0" encoding="utf-8"?>
 <p:sld xmlns:a="http://schemas.openxmlformats.org/drawingml/2006/main" xmlns:r="http://schemas.openxmlformats.org/officeDocument/2006/relationships" xmlns:p="http://schemas.openxmlformats.org/presentationml/2006/main">
   <p:cSld>
     <p:spTree>
@@ -7743,280 +8245,6 @@
     <p:extLst>
       <p:ext uri="{BB962C8B-B14F-4D97-AF65-F5344CB8AC3E}">
         <p14:creationId xmlns:p14="http://schemas.microsoft.com/office/powerpoint/2010/main" val="3932017410"/>
-      </p:ext>
-    </p:extLst>
-  </p:cSld>
-  <p:clrMapOvr>
-    <a:masterClrMapping/>
-  </p:clrMapOvr>
-</p:sld>
-</file>
-
-<file path=ppt/slides/slide8.xml><?xml version="1.0" encoding="utf-8"?>
-<p:sld xmlns:a="http://schemas.openxmlformats.org/drawingml/2006/main" xmlns:r="http://schemas.openxmlformats.org/officeDocument/2006/relationships" xmlns:p="http://schemas.openxmlformats.org/presentationml/2006/main">
-  <p:cSld>
-    <p:spTree>
-      <p:nvGrpSpPr>
-        <p:cNvPr id="1" name=""/>
-        <p:cNvGrpSpPr/>
-        <p:nvPr/>
-      </p:nvGrpSpPr>
-      <p:grpSpPr>
-        <a:xfrm>
-          <a:off x="0" y="0"/>
-          <a:ext cx="0" cy="0"/>
-          <a:chOff x="0" y="0"/>
-          <a:chExt cx="0" cy="0"/>
-        </a:xfrm>
-      </p:grpSpPr>
-      <p:sp>
-        <p:nvSpPr>
-          <p:cNvPr id="2" name="Заголовок 1">
-            <a:extLst>
-              <a:ext uri="{FF2B5EF4-FFF2-40B4-BE49-F238E27FC236}">
-                <a16:creationId xmlns:a16="http://schemas.microsoft.com/office/drawing/2014/main" id="{06703793-C351-DCB4-21B5-509774344405}"/>
-              </a:ext>
-            </a:extLst>
-          </p:cNvPr>
-          <p:cNvSpPr>
-            <a:spLocks noGrp="1"/>
-          </p:cNvSpPr>
-          <p:nvPr>
-            <p:ph type="title"/>
-          </p:nvPr>
-        </p:nvSpPr>
-        <p:spPr/>
-        <p:txBody>
-          <a:bodyPr/>
-          <a:lstStyle/>
-          <a:p>
-            <a:r>
-              <a:rPr lang="ru-RU" dirty="0"/>
-              <a:t>Куб в </a:t>
-            </a:r>
-            <a:r>
-              <a:rPr lang="en-US" dirty="0"/>
-              <a:t>Excel </a:t>
-            </a:r>
-            <a:r>
-              <a:rPr lang="ru-RU" dirty="0"/>
-              <a:t>для пользователей</a:t>
-            </a:r>
-          </a:p>
-        </p:txBody>
-      </p:sp>
-      <p:sp>
-        <p:nvSpPr>
-          <p:cNvPr id="6" name="TextBox 5">
-            <a:extLst>
-              <a:ext uri="{FF2B5EF4-FFF2-40B4-BE49-F238E27FC236}">
-                <a16:creationId xmlns:a16="http://schemas.microsoft.com/office/drawing/2014/main" id="{FB72700F-3609-9473-0388-CD43F0DC5B6F}"/>
-              </a:ext>
-            </a:extLst>
-          </p:cNvPr>
-          <p:cNvSpPr txBox="1"/>
-          <p:nvPr/>
-        </p:nvSpPr>
-        <p:spPr>
-          <a:xfrm>
-            <a:off x="107504" y="5157192"/>
-            <a:ext cx="8796478" cy="646331"/>
-          </a:xfrm>
-          <a:prstGeom prst="rect">
-            <a:avLst/>
-          </a:prstGeom>
-          <a:noFill/>
-        </p:spPr>
-        <p:txBody>
-          <a:bodyPr wrap="square" rtlCol="0">
-            <a:spAutoFit/>
-          </a:bodyPr>
-          <a:lstStyle/>
-          <a:p>
-            <a:r>
-              <a:rPr lang="ru-RU" dirty="0"/>
-              <a:t>Для удобства показатели размещены в разные папки. Пользователям дается право на чтение по их учетной записи.</a:t>
-            </a:r>
-          </a:p>
-        </p:txBody>
-      </p:sp>
-      <p:pic>
-        <p:nvPicPr>
-          <p:cNvPr id="8" name="Объект 7">
-            <a:extLst>
-              <a:ext uri="{FF2B5EF4-FFF2-40B4-BE49-F238E27FC236}">
-                <a16:creationId xmlns:a16="http://schemas.microsoft.com/office/drawing/2014/main" id="{18CA67A5-D6DA-C6D3-18B0-4B4392B23E23}"/>
-              </a:ext>
-            </a:extLst>
-          </p:cNvPr>
-          <p:cNvPicPr>
-            <a:picLocks noGrp="1" noChangeAspect="1"/>
-          </p:cNvPicPr>
-          <p:nvPr>
-            <p:ph idx="1"/>
-          </p:nvPr>
-        </p:nvPicPr>
-        <p:blipFill>
-          <a:blip r:embed="rId2" cstate="print">
-            <a:extLst>
-              <a:ext uri="{28A0092B-C50C-407E-A947-70E740481C1C}">
-                <a14:useLocalDpi xmlns:a14="http://schemas.microsoft.com/office/drawing/2010/main" val="0"/>
-              </a:ext>
-            </a:extLst>
-          </a:blip>
-          <a:stretch>
-            <a:fillRect/>
-          </a:stretch>
-        </p:blipFill>
-        <p:spPr>
-          <a:xfrm>
-            <a:off x="623511" y="1894753"/>
-            <a:ext cx="7764463" cy="3009387"/>
-          </a:xfrm>
-        </p:spPr>
-      </p:pic>
-    </p:spTree>
-    <p:extLst>
-      <p:ext uri="{BB962C8B-B14F-4D97-AF65-F5344CB8AC3E}">
-        <p14:creationId xmlns:p14="http://schemas.microsoft.com/office/powerpoint/2010/main" val="3116462862"/>
-      </p:ext>
-    </p:extLst>
-  </p:cSld>
-  <p:clrMapOvr>
-    <a:masterClrMapping/>
-  </p:clrMapOvr>
-</p:sld>
-</file>
-
-<file path=ppt/slides/slide9.xml><?xml version="1.0" encoding="utf-8"?>
-<p:sld xmlns:a="http://schemas.openxmlformats.org/drawingml/2006/main" xmlns:r="http://schemas.openxmlformats.org/officeDocument/2006/relationships" xmlns:p="http://schemas.openxmlformats.org/presentationml/2006/main">
-  <p:cSld>
-    <p:spTree>
-      <p:nvGrpSpPr>
-        <p:cNvPr id="1" name=""/>
-        <p:cNvGrpSpPr/>
-        <p:nvPr/>
-      </p:nvGrpSpPr>
-      <p:grpSpPr>
-        <a:xfrm>
-          <a:off x="0" y="0"/>
-          <a:ext cx="0" cy="0"/>
-          <a:chOff x="0" y="0"/>
-          <a:chExt cx="0" cy="0"/>
-        </a:xfrm>
-      </p:grpSpPr>
-      <p:sp>
-        <p:nvSpPr>
-          <p:cNvPr id="2" name="Заголовок 1">
-            <a:extLst>
-              <a:ext uri="{FF2B5EF4-FFF2-40B4-BE49-F238E27FC236}">
-                <a16:creationId xmlns:a16="http://schemas.microsoft.com/office/drawing/2014/main" id="{7AE4CCD9-01C9-4E0D-1432-36B109B04D4C}"/>
-              </a:ext>
-            </a:extLst>
-          </p:cNvPr>
-          <p:cNvSpPr>
-            <a:spLocks noGrp="1"/>
-          </p:cNvSpPr>
-          <p:nvPr>
-            <p:ph type="title"/>
-          </p:nvPr>
-        </p:nvSpPr>
-        <p:spPr/>
-        <p:txBody>
-          <a:bodyPr/>
-          <a:lstStyle/>
-          <a:p>
-            <a:r>
-              <a:rPr lang="ru-RU" dirty="0"/>
-              <a:t>Пример отчета в </a:t>
-            </a:r>
-            <a:r>
-              <a:rPr lang="en-US" dirty="0" err="1"/>
-              <a:t>PowerBi</a:t>
-            </a:r>
-            <a:endParaRPr lang="ru-RU" dirty="0"/>
-          </a:p>
-        </p:txBody>
-      </p:sp>
-      <p:sp>
-        <p:nvSpPr>
-          <p:cNvPr id="6" name="TextBox 5">
-            <a:extLst>
-              <a:ext uri="{FF2B5EF4-FFF2-40B4-BE49-F238E27FC236}">
-                <a16:creationId xmlns:a16="http://schemas.microsoft.com/office/drawing/2014/main" id="{C593C1D4-FED3-2AF5-4337-3C06707FCFEC}"/>
-              </a:ext>
-            </a:extLst>
-          </p:cNvPr>
-          <p:cNvSpPr txBox="1"/>
-          <p:nvPr/>
-        </p:nvSpPr>
-        <p:spPr>
-          <a:xfrm>
-            <a:off x="457200" y="6021288"/>
-            <a:ext cx="6630854" cy="369332"/>
-          </a:xfrm>
-          <a:prstGeom prst="rect">
-            <a:avLst/>
-          </a:prstGeom>
-          <a:noFill/>
-        </p:spPr>
-        <p:txBody>
-          <a:bodyPr wrap="none" rtlCol="0">
-            <a:spAutoFit/>
-          </a:bodyPr>
-          <a:lstStyle/>
-          <a:p>
-            <a:r>
-              <a:rPr lang="ru-RU" dirty="0"/>
-              <a:t>Для пользователей также возможно построение отчета в </a:t>
-            </a:r>
-            <a:r>
-              <a:rPr lang="en-US" dirty="0" err="1"/>
-              <a:t>PowerBI</a:t>
-            </a:r>
-            <a:endParaRPr lang="ru-RU" dirty="0"/>
-          </a:p>
-        </p:txBody>
-      </p:sp>
-      <p:pic>
-        <p:nvPicPr>
-          <p:cNvPr id="8" name="Объект 7">
-            <a:extLst>
-              <a:ext uri="{FF2B5EF4-FFF2-40B4-BE49-F238E27FC236}">
-                <a16:creationId xmlns:a16="http://schemas.microsoft.com/office/drawing/2014/main" id="{729D70F0-2817-E2C5-0F28-341ECD6620DC}"/>
-              </a:ext>
-            </a:extLst>
-          </p:cNvPr>
-          <p:cNvPicPr>
-            <a:picLocks noGrp="1" noChangeAspect="1"/>
-          </p:cNvPicPr>
-          <p:nvPr>
-            <p:ph idx="1"/>
-          </p:nvPr>
-        </p:nvPicPr>
-        <p:blipFill>
-          <a:blip r:embed="rId2">
-            <a:extLst>
-              <a:ext uri="{28A0092B-C50C-407E-A947-70E740481C1C}">
-                <a14:useLocalDpi xmlns:a14="http://schemas.microsoft.com/office/drawing/2010/main" val="0"/>
-              </a:ext>
-            </a:extLst>
-          </a:blip>
-          <a:stretch>
-            <a:fillRect/>
-          </a:stretch>
-        </p:blipFill>
-        <p:spPr>
-          <a:xfrm>
-            <a:off x="689167" y="1700808"/>
-            <a:ext cx="7764463" cy="4032448"/>
-          </a:xfrm>
-        </p:spPr>
-      </p:pic>
-    </p:spTree>
-    <p:extLst>
-      <p:ext uri="{BB962C8B-B14F-4D97-AF65-F5344CB8AC3E}">
-        <p14:creationId xmlns:p14="http://schemas.microsoft.com/office/powerpoint/2010/main" val="1493109850"/>
       </p:ext>
     </p:extLst>
   </p:cSld>
